--- a/Sec03_033_AngularNode.pptx
+++ b/Sec03_033_AngularNode.pptx
@@ -3999,7 +3999,7 @@
         </p:spPr>
         <p:txBody>
           <a:bodyPr vert="horz" lIns="91440" tIns="45720" rIns="91440" bIns="45720" rtlCol="0" anchor="ctr">
-            <a:normAutofit fontScale="92500"/>
+            <a:normAutofit/>
           </a:bodyPr>
           <a:lstStyle/>
           <a:p>
@@ -4007,7 +4007,7 @@
               <a:rPr lang="en-US" sz="1600" dirty="0">
                 <a:hlinkClick r:id="rId2"/>
               </a:rPr>
-              <a:t>https://www.udemy.com/course/angular-2-and-nodejs-the-practical-guide/learn/lecture/10419170#overview</a:t>
+              <a:t>https://github.com/peterhchen/900_MEAN_Proj</a:t>
             </a:r>
             <a:endParaRPr lang="en-US" sz="1600" b="1" i="1" dirty="0"/>
           </a:p>
@@ -4406,7 +4406,7 @@
         </p:spPr>
         <p:txBody>
           <a:bodyPr vert="horz" lIns="91440" tIns="45720" rIns="91440" bIns="45720" rtlCol="0" anchor="ctr">
-            <a:normAutofit fontScale="92500"/>
+            <a:normAutofit/>
           </a:bodyPr>
           <a:lstStyle/>
           <a:p>
@@ -4414,7 +4414,7 @@
               <a:rPr lang="en-US" sz="1600" dirty="0">
                 <a:hlinkClick r:id="rId2"/>
               </a:rPr>
-              <a:t>https://www.udemy.com/course/angular-2-and-nodejs-the-practical-guide/learn/lecture/10419170#overview</a:t>
+              <a:t>https://github.com/peterhchen/900_MEAN_Proj</a:t>
             </a:r>
             <a:endParaRPr lang="en-US" sz="1600" b="1" i="1" dirty="0"/>
           </a:p>
@@ -4795,7 +4795,7 @@
         </p:spPr>
         <p:txBody>
           <a:bodyPr vert="horz" lIns="91440" tIns="45720" rIns="91440" bIns="45720" rtlCol="0" anchor="ctr">
-            <a:normAutofit fontScale="92500"/>
+            <a:normAutofit/>
           </a:bodyPr>
           <a:lstStyle/>
           <a:p>
@@ -4803,7 +4803,7 @@
               <a:rPr lang="en-US" sz="1600" dirty="0">
                 <a:hlinkClick r:id="rId2"/>
               </a:rPr>
-              <a:t>https://www.udemy.com/course/angular-2-and-nodejs-the-practical-guide/learn/lecture/10419170#overview</a:t>
+              <a:t>https://github.com/peterhchen/900_MEAN_Proj</a:t>
             </a:r>
             <a:endParaRPr lang="en-US" sz="1600" b="1" i="1" dirty="0"/>
           </a:p>
@@ -5163,7 +5163,7 @@
         </p:spPr>
         <p:txBody>
           <a:bodyPr vert="horz" lIns="91440" tIns="45720" rIns="91440" bIns="45720" rtlCol="0" anchor="ctr">
-            <a:normAutofit fontScale="92500"/>
+            <a:normAutofit/>
           </a:bodyPr>
           <a:lstStyle/>
           <a:p>
@@ -5171,7 +5171,7 @@
               <a:rPr lang="en-US" sz="1600" dirty="0">
                 <a:hlinkClick r:id="rId2"/>
               </a:rPr>
-              <a:t>https://www.udemy.com/course/angular-2-and-nodejs-the-practical-guide/learn/lecture/10419170#overview</a:t>
+              <a:t>https://github.com/peterhchen/900_MEAN_Proj</a:t>
             </a:r>
             <a:endParaRPr lang="en-US" sz="1600" b="1" i="1" dirty="0"/>
           </a:p>
@@ -5504,7 +5504,7 @@
         </p:spPr>
         <p:txBody>
           <a:bodyPr vert="horz" lIns="91440" tIns="45720" rIns="91440" bIns="45720" rtlCol="0" anchor="ctr">
-            <a:normAutofit fontScale="92500"/>
+            <a:normAutofit/>
           </a:bodyPr>
           <a:lstStyle/>
           <a:p>
@@ -5512,7 +5512,7 @@
               <a:rPr lang="en-US" sz="1600" dirty="0">
                 <a:hlinkClick r:id="rId2"/>
               </a:rPr>
-              <a:t>https://www.udemy.com/course/angular-2-and-nodejs-the-practical-guide/learn/lecture/10419170#overview</a:t>
+              <a:t>https://github.com/peterhchen/900_MEAN_Proj</a:t>
             </a:r>
             <a:endParaRPr lang="en-US" sz="1600" b="1" i="1" dirty="0"/>
           </a:p>
